--- a/figures/绘图.pptx
+++ b/figures/绘图.pptx
@@ -154,10 +154,9 @@
           </a:lstStyle>
           <a:p>
             <a:r>
-              <a:rPr lang="zh-CN" altLang="en-US" smtClean="0"/>
+              <a:rPr lang="zh-CN" altLang="en-US"/>
               <a:t>单击此处编辑母版标题样式</a:t>
             </a:r>
-            <a:endParaRPr lang="zh-CN" altLang="en-US"/>
           </a:p>
         </p:txBody>
       </p:sp>
@@ -219,10 +218,9 @@
           </a:lstStyle>
           <a:p>
             <a:r>
-              <a:rPr lang="zh-CN" altLang="en-US" smtClean="0"/>
+              <a:rPr lang="zh-CN" altLang="en-US"/>
               <a:t>单击以编辑母版副标题样式</a:t>
             </a:r>
-            <a:endParaRPr lang="zh-CN" altLang="en-US"/>
           </a:p>
         </p:txBody>
       </p:sp>
@@ -243,7 +241,7 @@
           <a:p>
             <a:fld id="{59960955-0F27-4CDB-AB2C-C0C6F88BCE35}" type="datetimeFigureOut">
               <a:rPr lang="zh-CN" altLang="en-US" smtClean="0"/>
-              <a:t>2021/7/6</a:t>
+              <a:t>2021/9/20</a:t>
             </a:fld>
             <a:endParaRPr lang="zh-CN" altLang="en-US"/>
           </a:p>
@@ -337,10 +335,9 @@
           <a:lstStyle/>
           <a:p>
             <a:r>
-              <a:rPr lang="zh-CN" altLang="en-US" smtClean="0"/>
+              <a:rPr lang="zh-CN" altLang="en-US"/>
               <a:t>单击此处编辑母版标题样式</a:t>
             </a:r>
-            <a:endParaRPr lang="zh-CN" altLang="en-US"/>
           </a:p>
         </p:txBody>
       </p:sp>
@@ -361,38 +358,37 @@
           <a:p>
             <a:pPr lvl="0"/>
             <a:r>
-              <a:rPr lang="zh-CN" altLang="en-US" smtClean="0"/>
+              <a:rPr lang="zh-CN" altLang="en-US"/>
               <a:t>编辑母版文本样式</a:t>
             </a:r>
           </a:p>
           <a:p>
             <a:pPr lvl="1"/>
             <a:r>
-              <a:rPr lang="zh-CN" altLang="en-US" smtClean="0"/>
+              <a:rPr lang="zh-CN" altLang="en-US"/>
               <a:t>第二级</a:t>
             </a:r>
           </a:p>
           <a:p>
             <a:pPr lvl="2"/>
             <a:r>
-              <a:rPr lang="zh-CN" altLang="en-US" smtClean="0"/>
+              <a:rPr lang="zh-CN" altLang="en-US"/>
               <a:t>第三级</a:t>
             </a:r>
           </a:p>
           <a:p>
             <a:pPr lvl="3"/>
             <a:r>
-              <a:rPr lang="zh-CN" altLang="en-US" smtClean="0"/>
+              <a:rPr lang="zh-CN" altLang="en-US"/>
               <a:t>第四级</a:t>
             </a:r>
           </a:p>
           <a:p>
             <a:pPr lvl="4"/>
             <a:r>
-              <a:rPr lang="zh-CN" altLang="en-US" smtClean="0"/>
+              <a:rPr lang="zh-CN" altLang="en-US"/>
               <a:t>第五级</a:t>
             </a:r>
-            <a:endParaRPr lang="zh-CN" altLang="en-US"/>
           </a:p>
         </p:txBody>
       </p:sp>
@@ -413,7 +409,7 @@
           <a:p>
             <a:fld id="{59960955-0F27-4CDB-AB2C-C0C6F88BCE35}" type="datetimeFigureOut">
               <a:rPr lang="zh-CN" altLang="en-US" smtClean="0"/>
-              <a:t>2021/7/6</a:t>
+              <a:t>2021/9/20</a:t>
             </a:fld>
             <a:endParaRPr lang="zh-CN" altLang="en-US"/>
           </a:p>
@@ -512,10 +508,9 @@
           <a:lstStyle/>
           <a:p>
             <a:r>
-              <a:rPr lang="zh-CN" altLang="en-US" smtClean="0"/>
+              <a:rPr lang="zh-CN" altLang="en-US"/>
               <a:t>单击此处编辑母版标题样式</a:t>
             </a:r>
-            <a:endParaRPr lang="zh-CN" altLang="en-US"/>
           </a:p>
         </p:txBody>
       </p:sp>
@@ -541,38 +536,37 @@
           <a:p>
             <a:pPr lvl="0"/>
             <a:r>
-              <a:rPr lang="zh-CN" altLang="en-US" smtClean="0"/>
+              <a:rPr lang="zh-CN" altLang="en-US"/>
               <a:t>编辑母版文本样式</a:t>
             </a:r>
           </a:p>
           <a:p>
             <a:pPr lvl="1"/>
             <a:r>
-              <a:rPr lang="zh-CN" altLang="en-US" smtClean="0"/>
+              <a:rPr lang="zh-CN" altLang="en-US"/>
               <a:t>第二级</a:t>
             </a:r>
           </a:p>
           <a:p>
             <a:pPr lvl="2"/>
             <a:r>
-              <a:rPr lang="zh-CN" altLang="en-US" smtClean="0"/>
+              <a:rPr lang="zh-CN" altLang="en-US"/>
               <a:t>第三级</a:t>
             </a:r>
           </a:p>
           <a:p>
             <a:pPr lvl="3"/>
             <a:r>
-              <a:rPr lang="zh-CN" altLang="en-US" smtClean="0"/>
+              <a:rPr lang="zh-CN" altLang="en-US"/>
               <a:t>第四级</a:t>
             </a:r>
           </a:p>
           <a:p>
             <a:pPr lvl="4"/>
             <a:r>
-              <a:rPr lang="zh-CN" altLang="en-US" smtClean="0"/>
+              <a:rPr lang="zh-CN" altLang="en-US"/>
               <a:t>第五级</a:t>
             </a:r>
-            <a:endParaRPr lang="zh-CN" altLang="en-US"/>
           </a:p>
         </p:txBody>
       </p:sp>
@@ -593,7 +587,7 @@
           <a:p>
             <a:fld id="{59960955-0F27-4CDB-AB2C-C0C6F88BCE35}" type="datetimeFigureOut">
               <a:rPr lang="zh-CN" altLang="en-US" smtClean="0"/>
-              <a:t>2021/7/6</a:t>
+              <a:t>2021/9/20</a:t>
             </a:fld>
             <a:endParaRPr lang="zh-CN" altLang="en-US"/>
           </a:p>
@@ -687,10 +681,9 @@
           <a:lstStyle/>
           <a:p>
             <a:r>
-              <a:rPr lang="zh-CN" altLang="en-US" smtClean="0"/>
+              <a:rPr lang="zh-CN" altLang="en-US"/>
               <a:t>单击此处编辑母版标题样式</a:t>
             </a:r>
-            <a:endParaRPr lang="zh-CN" altLang="en-US"/>
           </a:p>
         </p:txBody>
       </p:sp>
@@ -711,38 +704,37 @@
           <a:p>
             <a:pPr lvl="0"/>
             <a:r>
-              <a:rPr lang="zh-CN" altLang="en-US" smtClean="0"/>
+              <a:rPr lang="zh-CN" altLang="en-US"/>
               <a:t>编辑母版文本样式</a:t>
             </a:r>
           </a:p>
           <a:p>
             <a:pPr lvl="1"/>
             <a:r>
-              <a:rPr lang="zh-CN" altLang="en-US" smtClean="0"/>
+              <a:rPr lang="zh-CN" altLang="en-US"/>
               <a:t>第二级</a:t>
             </a:r>
           </a:p>
           <a:p>
             <a:pPr lvl="2"/>
             <a:r>
-              <a:rPr lang="zh-CN" altLang="en-US" smtClean="0"/>
+              <a:rPr lang="zh-CN" altLang="en-US"/>
               <a:t>第三级</a:t>
             </a:r>
           </a:p>
           <a:p>
             <a:pPr lvl="3"/>
             <a:r>
-              <a:rPr lang="zh-CN" altLang="en-US" smtClean="0"/>
+              <a:rPr lang="zh-CN" altLang="en-US"/>
               <a:t>第四级</a:t>
             </a:r>
           </a:p>
           <a:p>
             <a:pPr lvl="4"/>
             <a:r>
-              <a:rPr lang="zh-CN" altLang="en-US" smtClean="0"/>
+              <a:rPr lang="zh-CN" altLang="en-US"/>
               <a:t>第五级</a:t>
             </a:r>
-            <a:endParaRPr lang="zh-CN" altLang="en-US"/>
           </a:p>
         </p:txBody>
       </p:sp>
@@ -763,7 +755,7 @@
           <a:p>
             <a:fld id="{59960955-0F27-4CDB-AB2C-C0C6F88BCE35}" type="datetimeFigureOut">
               <a:rPr lang="zh-CN" altLang="en-US" smtClean="0"/>
-              <a:t>2021/7/6</a:t>
+              <a:t>2021/9/20</a:t>
             </a:fld>
             <a:endParaRPr lang="zh-CN" altLang="en-US"/>
           </a:p>
@@ -866,10 +858,9 @@
           </a:lstStyle>
           <a:p>
             <a:r>
-              <a:rPr lang="zh-CN" altLang="en-US" smtClean="0"/>
+              <a:rPr lang="zh-CN" altLang="en-US"/>
               <a:t>单击此处编辑母版标题样式</a:t>
             </a:r>
-            <a:endParaRPr lang="zh-CN" altLang="en-US"/>
           </a:p>
         </p:txBody>
       </p:sp>
@@ -986,7 +977,7 @@
           <a:p>
             <a:pPr lvl="0"/>
             <a:r>
-              <a:rPr lang="zh-CN" altLang="en-US" smtClean="0"/>
+              <a:rPr lang="zh-CN" altLang="en-US"/>
               <a:t>编辑母版文本样式</a:t>
             </a:r>
           </a:p>
@@ -1009,7 +1000,7 @@
           <a:p>
             <a:fld id="{59960955-0F27-4CDB-AB2C-C0C6F88BCE35}" type="datetimeFigureOut">
               <a:rPr lang="zh-CN" altLang="en-US" smtClean="0"/>
-              <a:t>2021/7/6</a:t>
+              <a:t>2021/9/20</a:t>
             </a:fld>
             <a:endParaRPr lang="zh-CN" altLang="en-US"/>
           </a:p>
@@ -1103,10 +1094,9 @@
           <a:lstStyle/>
           <a:p>
             <a:r>
-              <a:rPr lang="zh-CN" altLang="en-US" smtClean="0"/>
+              <a:rPr lang="zh-CN" altLang="en-US"/>
               <a:t>单击此处编辑母版标题样式</a:t>
             </a:r>
-            <a:endParaRPr lang="zh-CN" altLang="en-US"/>
           </a:p>
         </p:txBody>
       </p:sp>
@@ -1132,38 +1122,37 @@
           <a:p>
             <a:pPr lvl="0"/>
             <a:r>
-              <a:rPr lang="zh-CN" altLang="en-US" smtClean="0"/>
+              <a:rPr lang="zh-CN" altLang="en-US"/>
               <a:t>编辑母版文本样式</a:t>
             </a:r>
           </a:p>
           <a:p>
             <a:pPr lvl="1"/>
             <a:r>
-              <a:rPr lang="zh-CN" altLang="en-US" smtClean="0"/>
+              <a:rPr lang="zh-CN" altLang="en-US"/>
               <a:t>第二级</a:t>
             </a:r>
           </a:p>
           <a:p>
             <a:pPr lvl="2"/>
             <a:r>
-              <a:rPr lang="zh-CN" altLang="en-US" smtClean="0"/>
+              <a:rPr lang="zh-CN" altLang="en-US"/>
               <a:t>第三级</a:t>
             </a:r>
           </a:p>
           <a:p>
             <a:pPr lvl="3"/>
             <a:r>
-              <a:rPr lang="zh-CN" altLang="en-US" smtClean="0"/>
+              <a:rPr lang="zh-CN" altLang="en-US"/>
               <a:t>第四级</a:t>
             </a:r>
           </a:p>
           <a:p>
             <a:pPr lvl="4"/>
             <a:r>
-              <a:rPr lang="zh-CN" altLang="en-US" smtClean="0"/>
+              <a:rPr lang="zh-CN" altLang="en-US"/>
               <a:t>第五级</a:t>
             </a:r>
-            <a:endParaRPr lang="zh-CN" altLang="en-US"/>
           </a:p>
         </p:txBody>
       </p:sp>
@@ -1189,38 +1178,37 @@
           <a:p>
             <a:pPr lvl="0"/>
             <a:r>
-              <a:rPr lang="zh-CN" altLang="en-US" smtClean="0"/>
+              <a:rPr lang="zh-CN" altLang="en-US"/>
               <a:t>编辑母版文本样式</a:t>
             </a:r>
           </a:p>
           <a:p>
             <a:pPr lvl="1"/>
             <a:r>
-              <a:rPr lang="zh-CN" altLang="en-US" smtClean="0"/>
+              <a:rPr lang="zh-CN" altLang="en-US"/>
               <a:t>第二级</a:t>
             </a:r>
           </a:p>
           <a:p>
             <a:pPr lvl="2"/>
             <a:r>
-              <a:rPr lang="zh-CN" altLang="en-US" smtClean="0"/>
+              <a:rPr lang="zh-CN" altLang="en-US"/>
               <a:t>第三级</a:t>
             </a:r>
           </a:p>
           <a:p>
             <a:pPr lvl="3"/>
             <a:r>
-              <a:rPr lang="zh-CN" altLang="en-US" smtClean="0"/>
+              <a:rPr lang="zh-CN" altLang="en-US"/>
               <a:t>第四级</a:t>
             </a:r>
           </a:p>
           <a:p>
             <a:pPr lvl="4"/>
             <a:r>
-              <a:rPr lang="zh-CN" altLang="en-US" smtClean="0"/>
+              <a:rPr lang="zh-CN" altLang="en-US"/>
               <a:t>第五级</a:t>
             </a:r>
-            <a:endParaRPr lang="zh-CN" altLang="en-US"/>
           </a:p>
         </p:txBody>
       </p:sp>
@@ -1241,7 +1229,7 @@
           <a:p>
             <a:fld id="{59960955-0F27-4CDB-AB2C-C0C6F88BCE35}" type="datetimeFigureOut">
               <a:rPr lang="zh-CN" altLang="en-US" smtClean="0"/>
-              <a:t>2021/7/6</a:t>
+              <a:t>2021/9/20</a:t>
             </a:fld>
             <a:endParaRPr lang="zh-CN" altLang="en-US"/>
           </a:p>
@@ -1340,10 +1328,9 @@
           <a:lstStyle/>
           <a:p>
             <a:r>
-              <a:rPr lang="zh-CN" altLang="en-US" smtClean="0"/>
+              <a:rPr lang="zh-CN" altLang="en-US"/>
               <a:t>单击此处编辑母版标题样式</a:t>
             </a:r>
-            <a:endParaRPr lang="zh-CN" altLang="en-US"/>
           </a:p>
         </p:txBody>
       </p:sp>
@@ -1406,7 +1393,7 @@
           <a:p>
             <a:pPr lvl="0"/>
             <a:r>
-              <a:rPr lang="zh-CN" altLang="en-US" smtClean="0"/>
+              <a:rPr lang="zh-CN" altLang="en-US"/>
               <a:t>编辑母版文本样式</a:t>
             </a:r>
           </a:p>
@@ -1434,38 +1421,37 @@
           <a:p>
             <a:pPr lvl="0"/>
             <a:r>
-              <a:rPr lang="zh-CN" altLang="en-US" smtClean="0"/>
+              <a:rPr lang="zh-CN" altLang="en-US"/>
               <a:t>编辑母版文本样式</a:t>
             </a:r>
           </a:p>
           <a:p>
             <a:pPr lvl="1"/>
             <a:r>
-              <a:rPr lang="zh-CN" altLang="en-US" smtClean="0"/>
+              <a:rPr lang="zh-CN" altLang="en-US"/>
               <a:t>第二级</a:t>
             </a:r>
           </a:p>
           <a:p>
             <a:pPr lvl="2"/>
             <a:r>
-              <a:rPr lang="zh-CN" altLang="en-US" smtClean="0"/>
+              <a:rPr lang="zh-CN" altLang="en-US"/>
               <a:t>第三级</a:t>
             </a:r>
           </a:p>
           <a:p>
             <a:pPr lvl="3"/>
             <a:r>
-              <a:rPr lang="zh-CN" altLang="en-US" smtClean="0"/>
+              <a:rPr lang="zh-CN" altLang="en-US"/>
               <a:t>第四级</a:t>
             </a:r>
           </a:p>
           <a:p>
             <a:pPr lvl="4"/>
             <a:r>
-              <a:rPr lang="zh-CN" altLang="en-US" smtClean="0"/>
+              <a:rPr lang="zh-CN" altLang="en-US"/>
               <a:t>第五级</a:t>
             </a:r>
-            <a:endParaRPr lang="zh-CN" altLang="en-US"/>
           </a:p>
         </p:txBody>
       </p:sp>
@@ -1528,7 +1514,7 @@
           <a:p>
             <a:pPr lvl="0"/>
             <a:r>
-              <a:rPr lang="zh-CN" altLang="en-US" smtClean="0"/>
+              <a:rPr lang="zh-CN" altLang="en-US"/>
               <a:t>编辑母版文本样式</a:t>
             </a:r>
           </a:p>
@@ -1556,38 +1542,37 @@
           <a:p>
             <a:pPr lvl="0"/>
             <a:r>
-              <a:rPr lang="zh-CN" altLang="en-US" smtClean="0"/>
+              <a:rPr lang="zh-CN" altLang="en-US"/>
               <a:t>编辑母版文本样式</a:t>
             </a:r>
           </a:p>
           <a:p>
             <a:pPr lvl="1"/>
             <a:r>
-              <a:rPr lang="zh-CN" altLang="en-US" smtClean="0"/>
+              <a:rPr lang="zh-CN" altLang="en-US"/>
               <a:t>第二级</a:t>
             </a:r>
           </a:p>
           <a:p>
             <a:pPr lvl="2"/>
             <a:r>
-              <a:rPr lang="zh-CN" altLang="en-US" smtClean="0"/>
+              <a:rPr lang="zh-CN" altLang="en-US"/>
               <a:t>第三级</a:t>
             </a:r>
           </a:p>
           <a:p>
             <a:pPr lvl="3"/>
             <a:r>
-              <a:rPr lang="zh-CN" altLang="en-US" smtClean="0"/>
+              <a:rPr lang="zh-CN" altLang="en-US"/>
               <a:t>第四级</a:t>
             </a:r>
           </a:p>
           <a:p>
             <a:pPr lvl="4"/>
             <a:r>
-              <a:rPr lang="zh-CN" altLang="en-US" smtClean="0"/>
+              <a:rPr lang="zh-CN" altLang="en-US"/>
               <a:t>第五级</a:t>
             </a:r>
-            <a:endParaRPr lang="zh-CN" altLang="en-US"/>
           </a:p>
         </p:txBody>
       </p:sp>
@@ -1608,7 +1593,7 @@
           <a:p>
             <a:fld id="{59960955-0F27-4CDB-AB2C-C0C6F88BCE35}" type="datetimeFigureOut">
               <a:rPr lang="zh-CN" altLang="en-US" smtClean="0"/>
-              <a:t>2021/7/6</a:t>
+              <a:t>2021/9/20</a:t>
             </a:fld>
             <a:endParaRPr lang="zh-CN" altLang="en-US"/>
           </a:p>
@@ -1702,10 +1687,9 @@
           <a:lstStyle/>
           <a:p>
             <a:r>
-              <a:rPr lang="zh-CN" altLang="en-US" smtClean="0"/>
+              <a:rPr lang="zh-CN" altLang="en-US"/>
               <a:t>单击此处编辑母版标题样式</a:t>
             </a:r>
-            <a:endParaRPr lang="zh-CN" altLang="en-US"/>
           </a:p>
         </p:txBody>
       </p:sp>
@@ -1726,7 +1710,7 @@
           <a:p>
             <a:fld id="{59960955-0F27-4CDB-AB2C-C0C6F88BCE35}" type="datetimeFigureOut">
               <a:rPr lang="zh-CN" altLang="en-US" smtClean="0"/>
-              <a:t>2021/7/6</a:t>
+              <a:t>2021/9/20</a:t>
             </a:fld>
             <a:endParaRPr lang="zh-CN" altLang="en-US"/>
           </a:p>
@@ -1821,7 +1805,7 @@
           <a:p>
             <a:fld id="{59960955-0F27-4CDB-AB2C-C0C6F88BCE35}" type="datetimeFigureOut">
               <a:rPr lang="zh-CN" altLang="en-US" smtClean="0"/>
-              <a:t>2021/7/6</a:t>
+              <a:t>2021/9/20</a:t>
             </a:fld>
             <a:endParaRPr lang="zh-CN" altLang="en-US"/>
           </a:p>
@@ -1924,10 +1908,9 @@
           </a:lstStyle>
           <a:p>
             <a:r>
-              <a:rPr lang="zh-CN" altLang="en-US" smtClean="0"/>
+              <a:rPr lang="zh-CN" altLang="en-US"/>
               <a:t>单击此处编辑母版标题样式</a:t>
             </a:r>
-            <a:endParaRPr lang="zh-CN" altLang="en-US"/>
           </a:p>
         </p:txBody>
       </p:sp>
@@ -1981,38 +1964,37 @@
           <a:p>
             <a:pPr lvl="0"/>
             <a:r>
-              <a:rPr lang="zh-CN" altLang="en-US" smtClean="0"/>
+              <a:rPr lang="zh-CN" altLang="en-US"/>
               <a:t>编辑母版文本样式</a:t>
             </a:r>
           </a:p>
           <a:p>
             <a:pPr lvl="1"/>
             <a:r>
-              <a:rPr lang="zh-CN" altLang="en-US" smtClean="0"/>
+              <a:rPr lang="zh-CN" altLang="en-US"/>
               <a:t>第二级</a:t>
             </a:r>
           </a:p>
           <a:p>
             <a:pPr lvl="2"/>
             <a:r>
-              <a:rPr lang="zh-CN" altLang="en-US" smtClean="0"/>
+              <a:rPr lang="zh-CN" altLang="en-US"/>
               <a:t>第三级</a:t>
             </a:r>
           </a:p>
           <a:p>
             <a:pPr lvl="3"/>
             <a:r>
-              <a:rPr lang="zh-CN" altLang="en-US" smtClean="0"/>
+              <a:rPr lang="zh-CN" altLang="en-US"/>
               <a:t>第四级</a:t>
             </a:r>
           </a:p>
           <a:p>
             <a:pPr lvl="4"/>
             <a:r>
-              <a:rPr lang="zh-CN" altLang="en-US" smtClean="0"/>
+              <a:rPr lang="zh-CN" altLang="en-US"/>
               <a:t>第五级</a:t>
             </a:r>
-            <a:endParaRPr lang="zh-CN" altLang="en-US"/>
           </a:p>
         </p:txBody>
       </p:sp>
@@ -2075,7 +2057,7 @@
           <a:p>
             <a:pPr lvl="0"/>
             <a:r>
-              <a:rPr lang="zh-CN" altLang="en-US" smtClean="0"/>
+              <a:rPr lang="zh-CN" altLang="en-US"/>
               <a:t>编辑母版文本样式</a:t>
             </a:r>
           </a:p>
@@ -2098,7 +2080,7 @@
           <a:p>
             <a:fld id="{59960955-0F27-4CDB-AB2C-C0C6F88BCE35}" type="datetimeFigureOut">
               <a:rPr lang="zh-CN" altLang="en-US" smtClean="0"/>
-              <a:t>2021/7/6</a:t>
+              <a:t>2021/9/20</a:t>
             </a:fld>
             <a:endParaRPr lang="zh-CN" altLang="en-US"/>
           </a:p>
@@ -2201,10 +2183,9 @@
           </a:lstStyle>
           <a:p>
             <a:r>
-              <a:rPr lang="zh-CN" altLang="en-US" smtClean="0"/>
+              <a:rPr lang="zh-CN" altLang="en-US"/>
               <a:t>单击此处编辑母版标题样式</a:t>
             </a:r>
-            <a:endParaRPr lang="zh-CN" altLang="en-US"/>
           </a:p>
         </p:txBody>
       </p:sp>
@@ -2328,7 +2309,7 @@
           <a:p>
             <a:pPr lvl="0"/>
             <a:r>
-              <a:rPr lang="zh-CN" altLang="en-US" smtClean="0"/>
+              <a:rPr lang="zh-CN" altLang="en-US"/>
               <a:t>编辑母版文本样式</a:t>
             </a:r>
           </a:p>
@@ -2351,7 +2332,7 @@
           <a:p>
             <a:fld id="{59960955-0F27-4CDB-AB2C-C0C6F88BCE35}" type="datetimeFigureOut">
               <a:rPr lang="zh-CN" altLang="en-US" smtClean="0"/>
-              <a:t>2021/7/6</a:t>
+              <a:t>2021/9/20</a:t>
             </a:fld>
             <a:endParaRPr lang="zh-CN" altLang="en-US"/>
           </a:p>
@@ -2460,10 +2441,9 @@
           <a:lstStyle/>
           <a:p>
             <a:r>
-              <a:rPr lang="zh-CN" altLang="en-US" smtClean="0"/>
+              <a:rPr lang="zh-CN" altLang="en-US"/>
               <a:t>单击此处编辑母版标题样式</a:t>
             </a:r>
-            <a:endParaRPr lang="zh-CN" altLang="en-US"/>
           </a:p>
         </p:txBody>
       </p:sp>
@@ -2494,38 +2474,37 @@
           <a:p>
             <a:pPr lvl="0"/>
             <a:r>
-              <a:rPr lang="zh-CN" altLang="en-US" smtClean="0"/>
+              <a:rPr lang="zh-CN" altLang="en-US"/>
               <a:t>编辑母版文本样式</a:t>
             </a:r>
           </a:p>
           <a:p>
             <a:pPr lvl="1"/>
             <a:r>
-              <a:rPr lang="zh-CN" altLang="en-US" smtClean="0"/>
+              <a:rPr lang="zh-CN" altLang="en-US"/>
               <a:t>第二级</a:t>
             </a:r>
           </a:p>
           <a:p>
             <a:pPr lvl="2"/>
             <a:r>
-              <a:rPr lang="zh-CN" altLang="en-US" smtClean="0"/>
+              <a:rPr lang="zh-CN" altLang="en-US"/>
               <a:t>第三级</a:t>
             </a:r>
           </a:p>
           <a:p>
             <a:pPr lvl="3"/>
             <a:r>
-              <a:rPr lang="zh-CN" altLang="en-US" smtClean="0"/>
+              <a:rPr lang="zh-CN" altLang="en-US"/>
               <a:t>第四级</a:t>
             </a:r>
           </a:p>
           <a:p>
             <a:pPr lvl="4"/>
             <a:r>
-              <a:rPr lang="zh-CN" altLang="en-US" smtClean="0"/>
+              <a:rPr lang="zh-CN" altLang="en-US"/>
               <a:t>第五级</a:t>
             </a:r>
-            <a:endParaRPr lang="zh-CN" altLang="en-US"/>
           </a:p>
         </p:txBody>
       </p:sp>
@@ -2564,7 +2543,7 @@
           <a:p>
             <a:fld id="{59960955-0F27-4CDB-AB2C-C0C6F88BCE35}" type="datetimeFigureOut">
               <a:rPr lang="zh-CN" altLang="en-US" smtClean="0"/>
-              <a:t>2021/7/6</a:t>
+              <a:t>2021/9/20</a:t>
             </a:fld>
             <a:endParaRPr lang="zh-CN" altLang="en-US"/>
           </a:p>
@@ -3134,7 +3113,7 @@
           <a:lstStyle/>
           <a:p>
             <a:r>
-              <a:rPr lang="en-US" altLang="zh-CN" dirty="0" smtClean="0"/>
+              <a:rPr lang="en-US" altLang="zh-CN" dirty="0"/>
               <a:t>M * N * 3 image</a:t>
             </a:r>
             <a:endParaRPr lang="zh-CN" altLang="en-US" dirty="0"/>
@@ -3197,7 +3176,7 @@
           <a:lstStyle/>
           <a:p>
             <a:r>
-              <a:rPr lang="en-US" altLang="zh-CN" dirty="0" smtClean="0"/>
+              <a:rPr lang="en-US" altLang="zh-CN" dirty="0"/>
               <a:t>A</a:t>
             </a:r>
             <a:endParaRPr lang="zh-CN" altLang="en-US" dirty="0"/>
@@ -3402,7 +3381,7 @@
           <a:lstStyle/>
           <a:p>
             <a:r>
-              <a:rPr lang="en-US" altLang="zh-CN" dirty="0" smtClean="0"/>
+              <a:rPr lang="en-US" altLang="zh-CN" dirty="0"/>
               <a:t>HAAR wavelet decomposition</a:t>
             </a:r>
             <a:endParaRPr lang="zh-CN" altLang="en-US" dirty="0"/>
@@ -3432,7 +3411,7 @@
           <a:lstStyle/>
           <a:p>
             <a:r>
-              <a:rPr lang="en-US" altLang="zh-CN" dirty="0" smtClean="0"/>
+              <a:rPr lang="en-US" altLang="zh-CN" dirty="0"/>
               <a:t>Approximation coefficient matrix</a:t>
             </a:r>
             <a:endParaRPr lang="zh-CN" altLang="en-US" dirty="0"/>
@@ -3462,7 +3441,7 @@
           <a:lstStyle/>
           <a:p>
             <a:r>
-              <a:rPr lang="en-US" altLang="zh-CN" dirty="0" smtClean="0"/>
+              <a:rPr lang="en-US" altLang="zh-CN" dirty="0"/>
               <a:t>Details coefficient matrix</a:t>
             </a:r>
             <a:endParaRPr lang="zh-CN" altLang="en-US" dirty="0"/>
@@ -3492,7 +3471,7 @@
           <a:lstStyle/>
           <a:p>
             <a:r>
-              <a:rPr lang="en-US" altLang="zh-CN" dirty="0" smtClean="0"/>
+              <a:rPr lang="en-US" altLang="zh-CN" dirty="0"/>
               <a:t>Level Lf</a:t>
             </a:r>
             <a:endParaRPr lang="zh-CN" altLang="en-US" dirty="0"/>
@@ -3674,7 +3653,7 @@
           <a:lstStyle/>
           <a:p>
             <a:r>
-              <a:rPr lang="en-US" altLang="zh-CN" dirty="0" smtClean="0"/>
+              <a:rPr lang="en-US" altLang="zh-CN" dirty="0"/>
               <a:t>A</a:t>
             </a:r>
             <a:endParaRPr lang="zh-CN" altLang="en-US" dirty="0"/>
@@ -3742,7 +3721,7 @@
           <a:lstStyle/>
           <a:p>
             <a:r>
-              <a:rPr lang="en-US" altLang="zh-CN" dirty="0" smtClean="0"/>
+              <a:rPr lang="en-US" altLang="zh-CN" dirty="0"/>
               <a:t>A</a:t>
             </a:r>
             <a:endParaRPr lang="zh-CN" altLang="en-US" dirty="0"/>
@@ -3848,8 +3827,8 @@
           <a:lstStyle/>
           <a:p>
             <a:r>
-              <a:rPr lang="en-US" altLang="zh-CN" dirty="0" smtClean="0"/>
-              <a:t>h</a:t>
+              <a:rPr lang="en-US" altLang="zh-CN" dirty="0"/>
+              <a:t>H</a:t>
             </a:r>
             <a:endParaRPr lang="zh-CN" altLang="en-US" dirty="0"/>
           </a:p>
@@ -3916,7 +3895,7 @@
           <a:lstStyle/>
           <a:p>
             <a:r>
-              <a:rPr lang="en-US" altLang="zh-CN" dirty="0" smtClean="0"/>
+              <a:rPr lang="en-US" altLang="zh-CN" dirty="0"/>
               <a:t>A</a:t>
             </a:r>
             <a:endParaRPr lang="zh-CN" altLang="en-US" dirty="0"/>
@@ -4022,8 +4001,8 @@
           <a:lstStyle/>
           <a:p>
             <a:r>
-              <a:rPr lang="en-US" altLang="zh-CN" dirty="0" smtClean="0"/>
-              <a:t>v</a:t>
+              <a:rPr lang="en-US" altLang="zh-CN" dirty="0"/>
+              <a:t>V</a:t>
             </a:r>
             <a:endParaRPr lang="zh-CN" altLang="en-US" dirty="0"/>
           </a:p>
@@ -4090,7 +4069,7 @@
           <a:lstStyle/>
           <a:p>
             <a:r>
-              <a:rPr lang="en-US" altLang="zh-CN" dirty="0" smtClean="0"/>
+              <a:rPr lang="en-US" altLang="zh-CN" dirty="0"/>
               <a:t>A</a:t>
             </a:r>
             <a:endParaRPr lang="zh-CN" altLang="en-US" dirty="0"/>
@@ -4196,8 +4175,8 @@
           <a:lstStyle/>
           <a:p>
             <a:r>
-              <a:rPr lang="en-US" altLang="zh-CN" dirty="0" smtClean="0"/>
-              <a:t>d</a:t>
+              <a:rPr lang="en-US" altLang="zh-CN" dirty="0"/>
+              <a:t>D</a:t>
             </a:r>
             <a:endParaRPr lang="zh-CN" altLang="en-US" dirty="0"/>
           </a:p>
@@ -4226,7 +4205,7 @@
           <a:lstStyle/>
           <a:p>
             <a:r>
-              <a:rPr lang="en-US" altLang="zh-CN" dirty="0" smtClean="0"/>
+              <a:rPr lang="en-US" altLang="zh-CN" dirty="0"/>
               <a:t>S*S*3 matrix</a:t>
             </a:r>
             <a:endParaRPr lang="zh-CN" altLang="en-US" dirty="0"/>
@@ -4365,7 +4344,7 @@
           <a:lstStyle/>
           <a:p>
             <a:r>
-              <a:rPr lang="en-US" altLang="zh-CN" dirty="0" smtClean="0"/>
+              <a:rPr lang="en-US" altLang="zh-CN" dirty="0"/>
               <a:t>A</a:t>
             </a:r>
             <a:endParaRPr lang="zh-CN" altLang="en-US" dirty="0"/>
@@ -4471,7 +4450,7 @@
           <a:lstStyle/>
           <a:p>
             <a:r>
-              <a:rPr lang="en-US" altLang="zh-CN" dirty="0" smtClean="0"/>
+              <a:rPr lang="en-US" altLang="zh-CN" dirty="0"/>
               <a:t>d2</a:t>
             </a:r>
             <a:endParaRPr lang="zh-CN" altLang="en-US" dirty="0"/>
@@ -4501,7 +4480,7 @@
           <a:lstStyle/>
           <a:p>
             <a:r>
-              <a:rPr lang="en-US" altLang="zh-CN" dirty="0" smtClean="0"/>
+              <a:rPr lang="en-US" altLang="zh-CN" dirty="0"/>
               <a:t>d3</a:t>
             </a:r>
             <a:endParaRPr lang="zh-CN" altLang="en-US" dirty="0"/>
@@ -4531,7 +4510,7 @@
           <a:lstStyle/>
           <a:p>
             <a:r>
-              <a:rPr lang="en-US" altLang="zh-CN" dirty="0" smtClean="0"/>
+              <a:rPr lang="en-US" altLang="zh-CN" dirty="0"/>
               <a:t>d1</a:t>
             </a:r>
             <a:endParaRPr lang="zh-CN" altLang="en-US" dirty="0"/>
@@ -4599,7 +4578,7 @@
           <a:lstStyle/>
           <a:p>
             <a:r>
-              <a:rPr lang="en-US" altLang="zh-CN" dirty="0" smtClean="0"/>
+              <a:rPr lang="en-US" altLang="zh-CN" dirty="0"/>
               <a:t>abs</a:t>
             </a:r>
             <a:endParaRPr lang="zh-CN" altLang="en-US" dirty="0"/>
@@ -4667,7 +4646,7 @@
           <a:lstStyle/>
           <a:p>
             <a:r>
-              <a:rPr lang="en-US" altLang="zh-CN" dirty="0" smtClean="0"/>
+              <a:rPr lang="en-US" altLang="zh-CN" dirty="0"/>
               <a:t>A</a:t>
             </a:r>
             <a:endParaRPr lang="zh-CN" altLang="en-US" dirty="0"/>
@@ -4773,7 +4752,7 @@
           <a:lstStyle/>
           <a:p>
             <a:r>
-              <a:rPr lang="en-US" altLang="zh-CN" dirty="0" smtClean="0"/>
+              <a:rPr lang="en-US" altLang="zh-CN" dirty="0"/>
               <a:t>d2</a:t>
             </a:r>
             <a:endParaRPr lang="zh-CN" altLang="en-US" dirty="0"/>
@@ -4803,7 +4782,7 @@
           <a:lstStyle/>
           <a:p>
             <a:r>
-              <a:rPr lang="en-US" altLang="zh-CN" dirty="0" smtClean="0"/>
+              <a:rPr lang="en-US" altLang="zh-CN" dirty="0"/>
               <a:t>d3</a:t>
             </a:r>
             <a:endParaRPr lang="zh-CN" altLang="en-US" dirty="0"/>
@@ -4833,7 +4812,7 @@
           <a:lstStyle/>
           <a:p>
             <a:r>
-              <a:rPr lang="en-US" altLang="zh-CN" dirty="0" smtClean="0"/>
+              <a:rPr lang="en-US" altLang="zh-CN" dirty="0"/>
               <a:t>d1</a:t>
             </a:r>
             <a:endParaRPr lang="zh-CN" altLang="en-US" dirty="0"/>
@@ -4934,7 +4913,7 @@
           <a:lstStyle/>
           <a:p>
             <a:r>
-              <a:rPr lang="en-US" altLang="zh-CN" dirty="0" smtClean="0"/>
+              <a:rPr lang="en-US" altLang="zh-CN" dirty="0"/>
               <a:t>max</a:t>
             </a:r>
             <a:endParaRPr lang="zh-CN" altLang="en-US" dirty="0"/>
@@ -4997,7 +4976,7 @@
           <a:lstStyle/>
           <a:p>
             <a:r>
-              <a:rPr lang="en-US" altLang="zh-CN" dirty="0" smtClean="0"/>
+              <a:rPr lang="en-US" altLang="zh-CN" dirty="0"/>
               <a:t>[d1_max, d2_max, d3_max]</a:t>
             </a:r>
             <a:endParaRPr lang="zh-CN" altLang="en-US" dirty="0"/>
@@ -5027,7 +5006,7 @@
           <a:lstStyle/>
           <a:p>
             <a:r>
-              <a:rPr lang="en-US" altLang="zh-CN" dirty="0" smtClean="0"/>
+              <a:rPr lang="en-US" altLang="zh-CN" dirty="0"/>
               <a:t>1*3 vector</a:t>
             </a:r>
             <a:endParaRPr lang="zh-CN" altLang="en-US" dirty="0"/>
